--- a/presentation_covid19.pptx
+++ b/presentation_covid19.pptx
@@ -17,9 +17,9 @@
     <p:sldId id="306" r:id="rId8"/>
     <p:sldId id="276" r:id="rId9"/>
     <p:sldId id="307" r:id="rId10"/>
-    <p:sldId id="308" r:id="rId11"/>
-    <p:sldId id="309" r:id="rId12"/>
-    <p:sldId id="310" r:id="rId13"/>
+    <p:sldId id="312" r:id="rId11"/>
+    <p:sldId id="308" r:id="rId12"/>
+    <p:sldId id="309" r:id="rId13"/>
     <p:sldId id="311" r:id="rId14"/>
     <p:sldId id="261" r:id="rId15"/>
     <p:sldId id="286" r:id="rId16"/>
@@ -276,6 +276,11 @@
       </a:defRPr>
     </a:lvl9pPr>
   </p:defaultTextStyle>
+  <p:extLst>
+    <p:ext uri="{EFAFB233-063F-42B5-8137-9DF3F51BA10A}">
+      <p15:sldGuideLst xmlns:p15="http://schemas.microsoft.com/office/powerpoint/2012/main"/>
+    </p:ext>
+  </p:extLst>
 </p:presentation>
 </file>
 
@@ -923,6 +928,115 @@
     </p:spTree>
     <p:extLst>
       <p:ext uri="{BB962C8B-B14F-4D97-AF65-F5344CB8AC3E}">
+        <p14:creationId xmlns:p14="http://schemas.microsoft.com/office/powerpoint/2010/main" val="2269308022"/>
+      </p:ext>
+    </p:extLst>
+  </p:cSld>
+  <p:clrMapOvr>
+    <a:masterClrMapping/>
+  </p:clrMapOvr>
+</p:notes>
+</file>
+
+<file path=ppt/notesSlides/notesSlide11.xml><?xml version="1.0" encoding="utf-8"?>
+<p:notes xmlns:a="http://schemas.openxmlformats.org/drawingml/2006/main" xmlns:r="http://schemas.openxmlformats.org/officeDocument/2006/relationships" xmlns:p="http://schemas.openxmlformats.org/presentationml/2006/main" showMasterSp="0" showMasterPhAnim="0">
+  <p:cSld>
+    <p:spTree>
+      <p:nvGrpSpPr>
+        <p:cNvPr id="1" name="Shape 1037"/>
+        <p:cNvGrpSpPr/>
+        <p:nvPr/>
+      </p:nvGrpSpPr>
+      <p:grpSpPr>
+        <a:xfrm>
+          <a:off x="0" y="0"/>
+          <a:ext cx="0" cy="0"/>
+          <a:chOff x="0" y="0"/>
+          <a:chExt cx="0" cy="0"/>
+        </a:xfrm>
+      </p:grpSpPr>
+      <p:sp>
+        <p:nvSpPr>
+          <p:cNvPr id="1038" name="Google Shape;1038;g72416fa8cc_16_78:notes"/>
+          <p:cNvSpPr>
+            <a:spLocks noGrp="1" noRot="1" noChangeAspect="1"/>
+          </p:cNvSpPr>
+          <p:nvPr>
+            <p:ph type="sldImg" idx="2"/>
+          </p:nvPr>
+        </p:nvSpPr>
+        <p:spPr>
+          <a:xfrm>
+            <a:off x="381000" y="685800"/>
+            <a:ext cx="6096000" cy="3429000"/>
+          </a:xfrm>
+          <a:custGeom>
+            <a:avLst/>
+            <a:gdLst/>
+            <a:ahLst/>
+            <a:cxnLst/>
+            <a:rect l="l" t="t" r="r" b="b"/>
+            <a:pathLst>
+              <a:path w="120000" h="120000" extrusionOk="0">
+                <a:moveTo>
+                  <a:pt x="0" y="0"/>
+                </a:moveTo>
+                <a:lnTo>
+                  <a:pt x="120000" y="0"/>
+                </a:lnTo>
+                <a:lnTo>
+                  <a:pt x="120000" y="120000"/>
+                </a:lnTo>
+                <a:lnTo>
+                  <a:pt x="0" y="120000"/>
+                </a:lnTo>
+                <a:close/>
+              </a:path>
+            </a:pathLst>
+          </a:custGeom>
+        </p:spPr>
+      </p:sp>
+      <p:sp>
+        <p:nvSpPr>
+          <p:cNvPr id="1039" name="Google Shape;1039;g72416fa8cc_16_78:notes"/>
+          <p:cNvSpPr txBox="1">
+            <a:spLocks noGrp="1"/>
+          </p:cNvSpPr>
+          <p:nvPr>
+            <p:ph type="body" idx="1"/>
+          </p:nvPr>
+        </p:nvSpPr>
+        <p:spPr>
+          <a:xfrm>
+            <a:off x="685800" y="4343400"/>
+            <a:ext cx="5486400" cy="4114800"/>
+          </a:xfrm>
+          <a:prstGeom prst="rect">
+            <a:avLst/>
+          </a:prstGeom>
+        </p:spPr>
+        <p:txBody>
+          <a:bodyPr spcFirstLastPara="1" wrap="square" lIns="91425" tIns="91425" rIns="91425" bIns="91425" anchor="t" anchorCtr="0">
+            <a:noAutofit/>
+          </a:bodyPr>
+          <a:lstStyle/>
+          <a:p>
+            <a:pPr marL="0" lvl="0" indent="0" algn="l" rtl="0">
+              <a:spcBef>
+                <a:spcPts val="0"/>
+              </a:spcBef>
+              <a:spcAft>
+                <a:spcPts val="0"/>
+              </a:spcAft>
+              <a:buNone/>
+            </a:pPr>
+            <a:endParaRPr/>
+          </a:p>
+        </p:txBody>
+      </p:sp>
+    </p:spTree>
+    <p:extLst>
+      <p:ext uri="{BB962C8B-B14F-4D97-AF65-F5344CB8AC3E}">
         <p14:creationId xmlns:p14="http://schemas.microsoft.com/office/powerpoint/2010/main" val="3870686603"/>
       </p:ext>
     </p:extLst>
@@ -933,7 +1047,7 @@
 </p:notes>
 </file>
 
-<file path=ppt/notesSlides/notesSlide11.xml><?xml version="1.0" encoding="utf-8"?>
+<file path=ppt/notesSlides/notesSlide12.xml><?xml version="1.0" encoding="utf-8"?>
 <p:notes xmlns:a="http://schemas.openxmlformats.org/drawingml/2006/main" xmlns:r="http://schemas.openxmlformats.org/officeDocument/2006/relationships" xmlns:p="http://schemas.openxmlformats.org/presentationml/2006/main" showMasterSp="0" showMasterPhAnim="0">
   <p:cSld>
     <p:spTree>
@@ -1033,115 +1147,6 @@
     <p:extLst>
       <p:ext uri="{BB962C8B-B14F-4D97-AF65-F5344CB8AC3E}">
         <p14:creationId xmlns:p14="http://schemas.microsoft.com/office/powerpoint/2010/main" val="209726086"/>
-      </p:ext>
-    </p:extLst>
-  </p:cSld>
-  <p:clrMapOvr>
-    <a:masterClrMapping/>
-  </p:clrMapOvr>
-</p:notes>
-</file>
-
-<file path=ppt/notesSlides/notesSlide12.xml><?xml version="1.0" encoding="utf-8"?>
-<p:notes xmlns:a="http://schemas.openxmlformats.org/drawingml/2006/main" xmlns:r="http://schemas.openxmlformats.org/officeDocument/2006/relationships" xmlns:p="http://schemas.openxmlformats.org/presentationml/2006/main" showMasterSp="0" showMasterPhAnim="0">
-  <p:cSld>
-    <p:spTree>
-      <p:nvGrpSpPr>
-        <p:cNvPr id="1" name="Shape 1037"/>
-        <p:cNvGrpSpPr/>
-        <p:nvPr/>
-      </p:nvGrpSpPr>
-      <p:grpSpPr>
-        <a:xfrm>
-          <a:off x="0" y="0"/>
-          <a:ext cx="0" cy="0"/>
-          <a:chOff x="0" y="0"/>
-          <a:chExt cx="0" cy="0"/>
-        </a:xfrm>
-      </p:grpSpPr>
-      <p:sp>
-        <p:nvSpPr>
-          <p:cNvPr id="1038" name="Google Shape;1038;g72416fa8cc_16_78:notes"/>
-          <p:cNvSpPr>
-            <a:spLocks noGrp="1" noRot="1" noChangeAspect="1"/>
-          </p:cNvSpPr>
-          <p:nvPr>
-            <p:ph type="sldImg" idx="2"/>
-          </p:nvPr>
-        </p:nvSpPr>
-        <p:spPr>
-          <a:xfrm>
-            <a:off x="381000" y="685800"/>
-            <a:ext cx="6096000" cy="3429000"/>
-          </a:xfrm>
-          <a:custGeom>
-            <a:avLst/>
-            <a:gdLst/>
-            <a:ahLst/>
-            <a:cxnLst/>
-            <a:rect l="l" t="t" r="r" b="b"/>
-            <a:pathLst>
-              <a:path w="120000" h="120000" extrusionOk="0">
-                <a:moveTo>
-                  <a:pt x="0" y="0"/>
-                </a:moveTo>
-                <a:lnTo>
-                  <a:pt x="120000" y="0"/>
-                </a:lnTo>
-                <a:lnTo>
-                  <a:pt x="120000" y="120000"/>
-                </a:lnTo>
-                <a:lnTo>
-                  <a:pt x="0" y="120000"/>
-                </a:lnTo>
-                <a:close/>
-              </a:path>
-            </a:pathLst>
-          </a:custGeom>
-        </p:spPr>
-      </p:sp>
-      <p:sp>
-        <p:nvSpPr>
-          <p:cNvPr id="1039" name="Google Shape;1039;g72416fa8cc_16_78:notes"/>
-          <p:cNvSpPr txBox="1">
-            <a:spLocks noGrp="1"/>
-          </p:cNvSpPr>
-          <p:nvPr>
-            <p:ph type="body" idx="1"/>
-          </p:nvPr>
-        </p:nvSpPr>
-        <p:spPr>
-          <a:xfrm>
-            <a:off x="685800" y="4343400"/>
-            <a:ext cx="5486400" cy="4114800"/>
-          </a:xfrm>
-          <a:prstGeom prst="rect">
-            <a:avLst/>
-          </a:prstGeom>
-        </p:spPr>
-        <p:txBody>
-          <a:bodyPr spcFirstLastPara="1" wrap="square" lIns="91425" tIns="91425" rIns="91425" bIns="91425" anchor="t" anchorCtr="0">
-            <a:noAutofit/>
-          </a:bodyPr>
-          <a:lstStyle/>
-          <a:p>
-            <a:pPr marL="0" lvl="0" indent="0" algn="l" rtl="0">
-              <a:spcBef>
-                <a:spcPts val="0"/>
-              </a:spcBef>
-              <a:spcAft>
-                <a:spcPts val="0"/>
-              </a:spcAft>
-              <a:buNone/>
-            </a:pPr>
-            <a:endParaRPr/>
-          </a:p>
-        </p:txBody>
-      </p:sp>
-    </p:spTree>
-    <p:extLst>
-      <p:ext uri="{BB962C8B-B14F-4D97-AF65-F5344CB8AC3E}">
-        <p14:creationId xmlns:p14="http://schemas.microsoft.com/office/powerpoint/2010/main" val="1786566838"/>
       </p:ext>
     </p:extLst>
   </p:cSld>
@@ -9420,7 +9425,7 @@
         </p:nvSpPr>
         <p:spPr>
           <a:xfrm flipH="1">
-            <a:off x="713400" y="733893"/>
+            <a:off x="681712" y="997351"/>
             <a:ext cx="3858600" cy="3611100"/>
           </a:xfrm>
           <a:prstGeom prst="rect">
@@ -9443,10 +9448,10 @@
               <a:buNone/>
             </a:pPr>
             <a:r>
-              <a:rPr lang="en" sz="4800" dirty="0"/>
-              <a:t>COVID-19 Impacts aroundthe  world</a:t>
+              <a:rPr lang="en" sz="5400" dirty="0"/>
+              <a:t>COVID-19 Impacts around the  world</a:t>
             </a:r>
-            <a:endParaRPr sz="4800" dirty="0"/>
+            <a:endParaRPr sz="5400" dirty="0"/>
           </a:p>
         </p:txBody>
       </p:sp>
@@ -20534,6 +20539,442 @@
 </file>
 
 <file path=ppt/slides/slide10.xml><?xml version="1.0" encoding="utf-8"?>
+<p:sld xmlns:a="http://schemas.openxmlformats.org/drawingml/2006/main" xmlns:r="http://schemas.openxmlformats.org/officeDocument/2006/relationships" xmlns:p="http://schemas.openxmlformats.org/presentationml/2006/main">
+  <p:cSld>
+    <p:bg>
+      <p:bgPr>
+        <a:solidFill>
+          <a:schemeClr val="dk2"/>
+        </a:solidFill>
+        <a:effectLst/>
+      </p:bgPr>
+    </p:bg>
+    <p:spTree>
+      <p:nvGrpSpPr>
+        <p:cNvPr id="1" name="Shape 1040"/>
+        <p:cNvGrpSpPr/>
+        <p:nvPr/>
+      </p:nvGrpSpPr>
+      <p:grpSpPr>
+        <a:xfrm>
+          <a:off x="0" y="0"/>
+          <a:ext cx="0" cy="0"/>
+          <a:chOff x="0" y="0"/>
+          <a:chExt cx="0" cy="0"/>
+        </a:xfrm>
+      </p:grpSpPr>
+      <p:sp>
+        <p:nvSpPr>
+          <p:cNvPr id="1041" name="Google Shape;1041;p49"/>
+          <p:cNvSpPr txBox="1">
+            <a:spLocks noGrp="1"/>
+          </p:cNvSpPr>
+          <p:nvPr>
+            <p:ph type="ctrTitle"/>
+          </p:nvPr>
+        </p:nvSpPr>
+        <p:spPr>
+          <a:xfrm>
+            <a:off x="1370589" y="566391"/>
+            <a:ext cx="6284969" cy="548100"/>
+          </a:xfrm>
+          <a:prstGeom prst="rect">
+            <a:avLst/>
+          </a:prstGeom>
+        </p:spPr>
+        <p:txBody>
+          <a:bodyPr spcFirstLastPara="1" wrap="square" lIns="91425" tIns="91425" rIns="91425" bIns="91425" anchor="t" anchorCtr="0">
+            <a:noAutofit/>
+          </a:bodyPr>
+          <a:lstStyle/>
+          <a:p>
+            <a:pPr marL="0" lvl="0" indent="0" algn="ctr" rtl="0">
+              <a:spcBef>
+                <a:spcPts val="0"/>
+              </a:spcBef>
+              <a:spcAft>
+                <a:spcPts val="0"/>
+              </a:spcAft>
+              <a:buNone/>
+            </a:pPr>
+            <a:r>
+              <a:rPr lang="en-US" dirty="0"/>
+              <a:t>total cases, total deaths and population density</a:t>
+            </a:r>
+            <a:endParaRPr dirty="0">
+              <a:solidFill>
+                <a:schemeClr val="dk1"/>
+              </a:solidFill>
+            </a:endParaRPr>
+          </a:p>
+        </p:txBody>
+      </p:sp>
+      <p:sp>
+        <p:nvSpPr>
+          <p:cNvPr id="5" name="Google Shape;1042;p49">
+            <a:extLst>
+              <a:ext uri="{FF2B5EF4-FFF2-40B4-BE49-F238E27FC236}">
+                <a16:creationId xmlns:a16="http://schemas.microsoft.com/office/drawing/2014/main" id="{B68D7623-8B91-4C42-815D-0BD16FF2EF19}"/>
+              </a:ext>
+            </a:extLst>
+          </p:cNvPr>
+          <p:cNvSpPr txBox="1">
+            <a:spLocks/>
+          </p:cNvSpPr>
+          <p:nvPr/>
+        </p:nvSpPr>
+        <p:spPr>
+          <a:xfrm>
+            <a:off x="6436058" y="1337981"/>
+            <a:ext cx="2439000" cy="3106272"/>
+          </a:xfrm>
+          <a:prstGeom prst="rect">
+            <a:avLst/>
+          </a:prstGeom>
+          <a:noFill/>
+          <a:ln>
+            <a:noFill/>
+          </a:ln>
+        </p:spPr>
+        <p:txBody>
+          <a:bodyPr spcFirstLastPara="1" wrap="square" lIns="91425" tIns="182875" rIns="91425" bIns="0" anchor="ctr" anchorCtr="0">
+            <a:noAutofit/>
+          </a:bodyPr>
+          <a:lstStyle>
+            <a:defPPr marR="0" lvl="0" algn="l" rtl="0">
+              <a:lnSpc>
+                <a:spcPct val="100000"/>
+              </a:lnSpc>
+              <a:spcBef>
+                <a:spcPts val="0"/>
+              </a:spcBef>
+              <a:spcAft>
+                <a:spcPts val="0"/>
+              </a:spcAft>
+            </a:defPPr>
+            <a:lvl1pPr marL="457200" marR="0" lvl="0" indent="-317500" algn="l" rtl="0">
+              <a:lnSpc>
+                <a:spcPct val="115000"/>
+              </a:lnSpc>
+              <a:spcBef>
+                <a:spcPts val="0"/>
+              </a:spcBef>
+              <a:spcAft>
+                <a:spcPts val="0"/>
+              </a:spcAft>
+              <a:buClr>
+                <a:schemeClr val="dk1"/>
+              </a:buClr>
+              <a:buSzPts val="1400"/>
+              <a:buFont typeface="Abel"/>
+              <a:buChar char="●"/>
+              <a:defRPr sz="1400" b="0" i="0" u="none" strike="noStrike" cap="none">
+                <a:solidFill>
+                  <a:schemeClr val="dk1"/>
+                </a:solidFill>
+                <a:latin typeface="Abel"/>
+                <a:ea typeface="Abel"/>
+                <a:cs typeface="Abel"/>
+                <a:sym typeface="Abel"/>
+              </a:defRPr>
+            </a:lvl1pPr>
+            <a:lvl2pPr marL="914400" marR="0" lvl="1" indent="-317500" algn="l" rtl="0">
+              <a:lnSpc>
+                <a:spcPct val="115000"/>
+              </a:lnSpc>
+              <a:spcBef>
+                <a:spcPts val="1600"/>
+              </a:spcBef>
+              <a:spcAft>
+                <a:spcPts val="0"/>
+              </a:spcAft>
+              <a:buClr>
+                <a:schemeClr val="dk1"/>
+              </a:buClr>
+              <a:buSzPts val="1400"/>
+              <a:buFont typeface="Abel"/>
+              <a:buChar char="○"/>
+              <a:defRPr sz="1400" b="0" i="0" u="none" strike="noStrike" cap="none">
+                <a:solidFill>
+                  <a:schemeClr val="dk1"/>
+                </a:solidFill>
+                <a:latin typeface="Abel"/>
+                <a:ea typeface="Abel"/>
+                <a:cs typeface="Abel"/>
+                <a:sym typeface="Abel"/>
+              </a:defRPr>
+            </a:lvl2pPr>
+            <a:lvl3pPr marL="1371600" marR="0" lvl="2" indent="-317500" algn="l" rtl="0">
+              <a:lnSpc>
+                <a:spcPct val="115000"/>
+              </a:lnSpc>
+              <a:spcBef>
+                <a:spcPts val="1600"/>
+              </a:spcBef>
+              <a:spcAft>
+                <a:spcPts val="0"/>
+              </a:spcAft>
+              <a:buClr>
+                <a:schemeClr val="dk1"/>
+              </a:buClr>
+              <a:buSzPts val="1400"/>
+              <a:buFont typeface="Abel"/>
+              <a:buChar char="■"/>
+              <a:defRPr sz="1400" b="0" i="0" u="none" strike="noStrike" cap="none">
+                <a:solidFill>
+                  <a:schemeClr val="dk1"/>
+                </a:solidFill>
+                <a:latin typeface="Abel"/>
+                <a:ea typeface="Abel"/>
+                <a:cs typeface="Abel"/>
+                <a:sym typeface="Abel"/>
+              </a:defRPr>
+            </a:lvl3pPr>
+            <a:lvl4pPr marL="1828800" marR="0" lvl="3" indent="-317500" algn="l" rtl="0">
+              <a:lnSpc>
+                <a:spcPct val="115000"/>
+              </a:lnSpc>
+              <a:spcBef>
+                <a:spcPts val="1600"/>
+              </a:spcBef>
+              <a:spcAft>
+                <a:spcPts val="0"/>
+              </a:spcAft>
+              <a:buClr>
+                <a:schemeClr val="dk1"/>
+              </a:buClr>
+              <a:buSzPts val="1400"/>
+              <a:buFont typeface="Abel"/>
+              <a:buChar char="●"/>
+              <a:defRPr sz="1400" b="0" i="0" u="none" strike="noStrike" cap="none">
+                <a:solidFill>
+                  <a:schemeClr val="dk1"/>
+                </a:solidFill>
+                <a:latin typeface="Abel"/>
+                <a:ea typeface="Abel"/>
+                <a:cs typeface="Abel"/>
+                <a:sym typeface="Abel"/>
+              </a:defRPr>
+            </a:lvl4pPr>
+            <a:lvl5pPr marL="2286000" marR="0" lvl="4" indent="-317500" algn="l" rtl="0">
+              <a:lnSpc>
+                <a:spcPct val="115000"/>
+              </a:lnSpc>
+              <a:spcBef>
+                <a:spcPts val="1600"/>
+              </a:spcBef>
+              <a:spcAft>
+                <a:spcPts val="0"/>
+              </a:spcAft>
+              <a:buClr>
+                <a:schemeClr val="dk1"/>
+              </a:buClr>
+              <a:buSzPts val="1400"/>
+              <a:buFont typeface="Abel"/>
+              <a:buChar char="○"/>
+              <a:defRPr sz="1400" b="0" i="0" u="none" strike="noStrike" cap="none">
+                <a:solidFill>
+                  <a:schemeClr val="dk1"/>
+                </a:solidFill>
+                <a:latin typeface="Abel"/>
+                <a:ea typeface="Abel"/>
+                <a:cs typeface="Abel"/>
+                <a:sym typeface="Abel"/>
+              </a:defRPr>
+            </a:lvl5pPr>
+            <a:lvl6pPr marL="2743200" marR="0" lvl="5" indent="-317500" algn="l" rtl="0">
+              <a:lnSpc>
+                <a:spcPct val="115000"/>
+              </a:lnSpc>
+              <a:spcBef>
+                <a:spcPts val="1600"/>
+              </a:spcBef>
+              <a:spcAft>
+                <a:spcPts val="0"/>
+              </a:spcAft>
+              <a:buClr>
+                <a:schemeClr val="dk1"/>
+              </a:buClr>
+              <a:buSzPts val="1400"/>
+              <a:buFont typeface="Abel"/>
+              <a:buChar char="■"/>
+              <a:defRPr sz="1400" b="0" i="0" u="none" strike="noStrike" cap="none">
+                <a:solidFill>
+                  <a:schemeClr val="dk1"/>
+                </a:solidFill>
+                <a:latin typeface="Abel"/>
+                <a:ea typeface="Abel"/>
+                <a:cs typeface="Abel"/>
+                <a:sym typeface="Abel"/>
+              </a:defRPr>
+            </a:lvl6pPr>
+            <a:lvl7pPr marL="3200400" marR="0" lvl="6" indent="-317500" algn="l" rtl="0">
+              <a:lnSpc>
+                <a:spcPct val="115000"/>
+              </a:lnSpc>
+              <a:spcBef>
+                <a:spcPts val="1600"/>
+              </a:spcBef>
+              <a:spcAft>
+                <a:spcPts val="0"/>
+              </a:spcAft>
+              <a:buClr>
+                <a:schemeClr val="dk1"/>
+              </a:buClr>
+              <a:buSzPts val="1400"/>
+              <a:buFont typeface="Abel"/>
+              <a:buChar char="●"/>
+              <a:defRPr sz="1400" b="0" i="0" u="none" strike="noStrike" cap="none">
+                <a:solidFill>
+                  <a:schemeClr val="dk1"/>
+                </a:solidFill>
+                <a:latin typeface="Abel"/>
+                <a:ea typeface="Abel"/>
+                <a:cs typeface="Abel"/>
+                <a:sym typeface="Abel"/>
+              </a:defRPr>
+            </a:lvl7pPr>
+            <a:lvl8pPr marL="3657600" marR="0" lvl="7" indent="-317500" algn="l" rtl="0">
+              <a:lnSpc>
+                <a:spcPct val="115000"/>
+              </a:lnSpc>
+              <a:spcBef>
+                <a:spcPts val="1600"/>
+              </a:spcBef>
+              <a:spcAft>
+                <a:spcPts val="0"/>
+              </a:spcAft>
+              <a:buClr>
+                <a:schemeClr val="dk1"/>
+              </a:buClr>
+              <a:buSzPts val="1400"/>
+              <a:buFont typeface="Abel"/>
+              <a:buChar char="○"/>
+              <a:defRPr sz="1400" b="0" i="0" u="none" strike="noStrike" cap="none">
+                <a:solidFill>
+                  <a:schemeClr val="dk1"/>
+                </a:solidFill>
+                <a:latin typeface="Abel"/>
+                <a:ea typeface="Abel"/>
+                <a:cs typeface="Abel"/>
+                <a:sym typeface="Abel"/>
+              </a:defRPr>
+            </a:lvl8pPr>
+            <a:lvl9pPr marL="4114800" marR="0" lvl="8" indent="-317500" algn="l" rtl="0">
+              <a:lnSpc>
+                <a:spcPct val="115000"/>
+              </a:lnSpc>
+              <a:spcBef>
+                <a:spcPts val="1600"/>
+              </a:spcBef>
+              <a:spcAft>
+                <a:spcPts val="1600"/>
+              </a:spcAft>
+              <a:buClr>
+                <a:schemeClr val="dk1"/>
+              </a:buClr>
+              <a:buSzPts val="1400"/>
+              <a:buFont typeface="Abel"/>
+              <a:buChar char="■"/>
+              <a:defRPr sz="1400" b="0" i="0" u="none" strike="noStrike" cap="none">
+                <a:solidFill>
+                  <a:schemeClr val="dk1"/>
+                </a:solidFill>
+                <a:latin typeface="Abel"/>
+                <a:ea typeface="Abel"/>
+                <a:cs typeface="Abel"/>
+                <a:sym typeface="Abel"/>
+              </a:defRPr>
+            </a:lvl9pPr>
+          </a:lstStyle>
+          <a:p>
+            <a:pPr marL="285750" indent="-285750">
+              <a:lnSpc>
+                <a:spcPct val="100000"/>
+              </a:lnSpc>
+              <a:spcAft>
+                <a:spcPts val="1600"/>
+              </a:spcAft>
+            </a:pPr>
+            <a:r>
+              <a:rPr lang="en-US" dirty="0"/>
+              <a:t>The effects of population density on covid-19 cases and deaths varies</a:t>
+            </a:r>
+          </a:p>
+          <a:p>
+            <a:pPr marL="285750" indent="-285750">
+              <a:lnSpc>
+                <a:spcPct val="100000"/>
+              </a:lnSpc>
+              <a:spcAft>
+                <a:spcPts val="1600"/>
+              </a:spcAft>
+            </a:pPr>
+            <a:r>
+              <a:rPr lang="en-US" dirty="0"/>
+              <a:t>Some countries like India have higher death rates for having a higher population density </a:t>
+            </a:r>
+          </a:p>
+          <a:p>
+            <a:pPr marL="285750" indent="-285750">
+              <a:lnSpc>
+                <a:spcPct val="100000"/>
+              </a:lnSpc>
+              <a:spcAft>
+                <a:spcPts val="1600"/>
+              </a:spcAft>
+            </a:pPr>
+            <a:r>
+              <a:rPr lang="en-US" dirty="0"/>
+              <a:t>US despite having a lower population density has the highest # of cases and deaths</a:t>
+            </a:r>
+          </a:p>
+        </p:txBody>
+      </p:sp>
+      <p:pic>
+        <p:nvPicPr>
+          <p:cNvPr id="4" name="Picture 3" descr="Chart, bar chart, histogram&#10;&#10;Description automatically generated">
+            <a:extLst>
+              <a:ext uri="{FF2B5EF4-FFF2-40B4-BE49-F238E27FC236}">
+                <a16:creationId xmlns:a16="http://schemas.microsoft.com/office/drawing/2014/main" id="{D2113B8C-ED32-4D59-AB6F-9E8CF07D9EDC}"/>
+              </a:ext>
+            </a:extLst>
+          </p:cNvPr>
+          <p:cNvPicPr>
+            <a:picLocks noChangeAspect="1"/>
+          </p:cNvPicPr>
+          <p:nvPr/>
+        </p:nvPicPr>
+        <p:blipFill>
+          <a:blip r:embed="rId3"/>
+          <a:stretch>
+            <a:fillRect/>
+          </a:stretch>
+        </p:blipFill>
+        <p:spPr>
+          <a:xfrm>
+            <a:off x="806493" y="1196787"/>
+            <a:ext cx="5231236" cy="3529853"/>
+          </a:xfrm>
+          <a:prstGeom prst="rect">
+            <a:avLst/>
+          </a:prstGeom>
+        </p:spPr>
+      </p:pic>
+    </p:spTree>
+    <p:extLst>
+      <p:ext uri="{BB962C8B-B14F-4D97-AF65-F5344CB8AC3E}">
+        <p14:creationId xmlns:p14="http://schemas.microsoft.com/office/powerpoint/2010/main" val="1296931355"/>
+      </p:ext>
+    </p:extLst>
+  </p:cSld>
+  <p:clrMapOvr>
+    <a:masterClrMapping/>
+  </p:clrMapOvr>
+</p:sld>
+</file>
+
+<file path=ppt/slides/slide11.xml><?xml version="1.0" encoding="utf-8"?>
 <p:sld xmlns:a="http://schemas.openxmlformats.org/drawingml/2006/main" xmlns:r="http://schemas.openxmlformats.org/officeDocument/2006/relationships" xmlns:p="http://schemas.openxmlformats.org/presentationml/2006/main">
   <p:cSld>
     <p:bg>
@@ -20941,7 +21382,7 @@
             </a:pPr>
             <a:r>
               <a:rPr lang="en-US" dirty="0"/>
-              <a:t>The r value is 0.8</a:t>
+              <a:t>The r value is 0.08</a:t>
             </a:r>
           </a:p>
           <a:p>
@@ -20956,6 +21397,20 @@
             <a:r>
               <a:rPr lang="en-US" dirty="0"/>
               <a:t>There is a positive correlation between the countries who have a higher life expectancy due to the old age and the total # of deaths by Covid</a:t>
+            </a:r>
+          </a:p>
+          <a:p>
+            <a:pPr marL="285750" indent="-285750">
+              <a:lnSpc>
+                <a:spcPct val="100000"/>
+              </a:lnSpc>
+              <a:spcAft>
+                <a:spcPts val="1600"/>
+              </a:spcAft>
+            </a:pPr>
+            <a:r>
+              <a:rPr lang="en-US" dirty="0"/>
+              <a:t>Elderly population are more vulnerable to Covid related death</a:t>
             </a:r>
           </a:p>
         </p:txBody>
@@ -20973,7 +21428,7 @@
 </p:sld>
 </file>
 
-<file path=ppt/slides/slide11.xml><?xml version="1.0" encoding="utf-8"?>
+<file path=ppt/slides/slide12.xml><?xml version="1.0" encoding="utf-8"?>
 <p:sld xmlns:a="http://schemas.openxmlformats.org/drawingml/2006/main" xmlns:r="http://schemas.openxmlformats.org/officeDocument/2006/relationships" xmlns:p="http://schemas.openxmlformats.org/presentationml/2006/main">
   <p:cSld>
     <p:bg>
@@ -21044,36 +21499,6 @@
           </a:p>
         </p:txBody>
       </p:sp>
-      <p:pic>
-        <p:nvPicPr>
-          <p:cNvPr id="4" name="Picture 3" descr="Chart, scatter chart&#10;&#10;Description automatically generated">
-            <a:extLst>
-              <a:ext uri="{FF2B5EF4-FFF2-40B4-BE49-F238E27FC236}">
-                <a16:creationId xmlns:a16="http://schemas.microsoft.com/office/drawing/2014/main" id="{1B7869F1-5C7C-439E-9295-3225CC262FDE}"/>
-              </a:ext>
-            </a:extLst>
-          </p:cNvPr>
-          <p:cNvPicPr>
-            <a:picLocks noChangeAspect="1"/>
-          </p:cNvPicPr>
-          <p:nvPr/>
-        </p:nvPicPr>
-        <p:blipFill>
-          <a:blip r:embed="rId3"/>
-          <a:stretch>
-            <a:fillRect/>
-          </a:stretch>
-        </p:blipFill>
-        <p:spPr>
-          <a:xfrm>
-            <a:off x="3752640" y="1269222"/>
-            <a:ext cx="4839119" cy="3450696"/>
-          </a:xfrm>
-          <a:prstGeom prst="rect">
-            <a:avLst/>
-          </a:prstGeom>
-        </p:spPr>
-      </p:pic>
       <p:sp>
         <p:nvSpPr>
           <p:cNvPr id="5" name="Google Shape;1042;p49">
@@ -21380,390 +21805,6 @@
               <a:t>There is a week positive correlation between the countries who have a higher diabetes prevalence rate and the total # of cases by Covid</a:t>
             </a:r>
           </a:p>
-        </p:txBody>
-      </p:sp>
-    </p:spTree>
-    <p:extLst>
-      <p:ext uri="{BB962C8B-B14F-4D97-AF65-F5344CB8AC3E}">
-        <p14:creationId xmlns:p14="http://schemas.microsoft.com/office/powerpoint/2010/main" val="3657174322"/>
-      </p:ext>
-    </p:extLst>
-  </p:cSld>
-  <p:clrMapOvr>
-    <a:masterClrMapping/>
-  </p:clrMapOvr>
-</p:sld>
-</file>
-
-<file path=ppt/slides/slide12.xml><?xml version="1.0" encoding="utf-8"?>
-<p:sld xmlns:a="http://schemas.openxmlformats.org/drawingml/2006/main" xmlns:r="http://schemas.openxmlformats.org/officeDocument/2006/relationships" xmlns:p="http://schemas.openxmlformats.org/presentationml/2006/main">
-  <p:cSld>
-    <p:bg>
-      <p:bgPr>
-        <a:solidFill>
-          <a:schemeClr val="dk2"/>
-        </a:solidFill>
-        <a:effectLst/>
-      </p:bgPr>
-    </p:bg>
-    <p:spTree>
-      <p:nvGrpSpPr>
-        <p:cNvPr id="1" name="Shape 1040"/>
-        <p:cNvGrpSpPr/>
-        <p:nvPr/>
-      </p:nvGrpSpPr>
-      <p:grpSpPr>
-        <a:xfrm>
-          <a:off x="0" y="0"/>
-          <a:ext cx="0" cy="0"/>
-          <a:chOff x="0" y="0"/>
-          <a:chExt cx="0" cy="0"/>
-        </a:xfrm>
-      </p:grpSpPr>
-      <p:sp>
-        <p:nvSpPr>
-          <p:cNvPr id="1041" name="Google Shape;1041;p49"/>
-          <p:cNvSpPr txBox="1">
-            <a:spLocks noGrp="1"/>
-          </p:cNvSpPr>
-          <p:nvPr>
-            <p:ph type="ctrTitle"/>
-          </p:nvPr>
-        </p:nvSpPr>
-        <p:spPr>
-          <a:xfrm>
-            <a:off x="1743075" y="552650"/>
-            <a:ext cx="5658000" cy="548100"/>
-          </a:xfrm>
-          <a:prstGeom prst="rect">
-            <a:avLst/>
-          </a:prstGeom>
-        </p:spPr>
-        <p:txBody>
-          <a:bodyPr spcFirstLastPara="1" wrap="square" lIns="91425" tIns="91425" rIns="91425" bIns="91425" anchor="t" anchorCtr="0">
-            <a:noAutofit/>
-          </a:bodyPr>
-          <a:lstStyle/>
-          <a:p>
-            <a:pPr marL="0" lvl="0" indent="0" algn="ctr" rtl="0">
-              <a:spcBef>
-                <a:spcPts val="0"/>
-              </a:spcBef>
-              <a:spcAft>
-                <a:spcPts val="0"/>
-              </a:spcAft>
-              <a:buNone/>
-            </a:pPr>
-            <a:r>
-              <a:rPr lang="en-US" dirty="0">
-                <a:solidFill>
-                  <a:schemeClr val="dk1"/>
-                </a:solidFill>
-              </a:rPr>
-              <a:t>Cardio</a:t>
-            </a:r>
-            <a:r>
-              <a:rPr lang="en-US" dirty="0"/>
-              <a:t>-vascular death rate</a:t>
-            </a:r>
-            <a:r>
-              <a:rPr lang="en-US" dirty="0">
-                <a:solidFill>
-                  <a:schemeClr val="dk1"/>
-                </a:solidFill>
-              </a:rPr>
-              <a:t> vs </a:t>
-            </a:r>
-            <a:r>
-              <a:rPr lang="en-US" dirty="0"/>
-              <a:t>covid-19 deaths</a:t>
-            </a:r>
-            <a:endParaRPr dirty="0">
-              <a:solidFill>
-                <a:schemeClr val="dk1"/>
-              </a:solidFill>
-            </a:endParaRPr>
-          </a:p>
-        </p:txBody>
-      </p:sp>
-      <p:sp>
-        <p:nvSpPr>
-          <p:cNvPr id="5" name="Google Shape;1042;p49">
-            <a:extLst>
-              <a:ext uri="{FF2B5EF4-FFF2-40B4-BE49-F238E27FC236}">
-                <a16:creationId xmlns:a16="http://schemas.microsoft.com/office/drawing/2014/main" id="{B68D7623-8B91-4C42-815D-0BD16FF2EF19}"/>
-              </a:ext>
-            </a:extLst>
-          </p:cNvPr>
-          <p:cNvSpPr txBox="1">
-            <a:spLocks/>
-          </p:cNvSpPr>
-          <p:nvPr/>
-        </p:nvSpPr>
-        <p:spPr>
-          <a:xfrm>
-            <a:off x="6436058" y="1432111"/>
-            <a:ext cx="2439000" cy="2870948"/>
-          </a:xfrm>
-          <a:prstGeom prst="rect">
-            <a:avLst/>
-          </a:prstGeom>
-          <a:noFill/>
-          <a:ln>
-            <a:noFill/>
-          </a:ln>
-        </p:spPr>
-        <p:txBody>
-          <a:bodyPr spcFirstLastPara="1" wrap="square" lIns="91425" tIns="182875" rIns="91425" bIns="0" anchor="ctr" anchorCtr="0">
-            <a:noAutofit/>
-          </a:bodyPr>
-          <a:lstStyle>
-            <a:defPPr marR="0" lvl="0" algn="l" rtl="0">
-              <a:lnSpc>
-                <a:spcPct val="100000"/>
-              </a:lnSpc>
-              <a:spcBef>
-                <a:spcPts val="0"/>
-              </a:spcBef>
-              <a:spcAft>
-                <a:spcPts val="0"/>
-              </a:spcAft>
-            </a:defPPr>
-            <a:lvl1pPr marL="457200" marR="0" lvl="0" indent="-317500" algn="l" rtl="0">
-              <a:lnSpc>
-                <a:spcPct val="115000"/>
-              </a:lnSpc>
-              <a:spcBef>
-                <a:spcPts val="0"/>
-              </a:spcBef>
-              <a:spcAft>
-                <a:spcPts val="0"/>
-              </a:spcAft>
-              <a:buClr>
-                <a:schemeClr val="dk1"/>
-              </a:buClr>
-              <a:buSzPts val="1400"/>
-              <a:buFont typeface="Abel"/>
-              <a:buChar char="●"/>
-              <a:defRPr sz="1400" b="0" i="0" u="none" strike="noStrike" cap="none">
-                <a:solidFill>
-                  <a:schemeClr val="dk1"/>
-                </a:solidFill>
-                <a:latin typeface="Abel"/>
-                <a:ea typeface="Abel"/>
-                <a:cs typeface="Abel"/>
-                <a:sym typeface="Abel"/>
-              </a:defRPr>
-            </a:lvl1pPr>
-            <a:lvl2pPr marL="914400" marR="0" lvl="1" indent="-317500" algn="l" rtl="0">
-              <a:lnSpc>
-                <a:spcPct val="115000"/>
-              </a:lnSpc>
-              <a:spcBef>
-                <a:spcPts val="1600"/>
-              </a:spcBef>
-              <a:spcAft>
-                <a:spcPts val="0"/>
-              </a:spcAft>
-              <a:buClr>
-                <a:schemeClr val="dk1"/>
-              </a:buClr>
-              <a:buSzPts val="1400"/>
-              <a:buFont typeface="Abel"/>
-              <a:buChar char="○"/>
-              <a:defRPr sz="1400" b="0" i="0" u="none" strike="noStrike" cap="none">
-                <a:solidFill>
-                  <a:schemeClr val="dk1"/>
-                </a:solidFill>
-                <a:latin typeface="Abel"/>
-                <a:ea typeface="Abel"/>
-                <a:cs typeface="Abel"/>
-                <a:sym typeface="Abel"/>
-              </a:defRPr>
-            </a:lvl2pPr>
-            <a:lvl3pPr marL="1371600" marR="0" lvl="2" indent="-317500" algn="l" rtl="0">
-              <a:lnSpc>
-                <a:spcPct val="115000"/>
-              </a:lnSpc>
-              <a:spcBef>
-                <a:spcPts val="1600"/>
-              </a:spcBef>
-              <a:spcAft>
-                <a:spcPts val="0"/>
-              </a:spcAft>
-              <a:buClr>
-                <a:schemeClr val="dk1"/>
-              </a:buClr>
-              <a:buSzPts val="1400"/>
-              <a:buFont typeface="Abel"/>
-              <a:buChar char="■"/>
-              <a:defRPr sz="1400" b="0" i="0" u="none" strike="noStrike" cap="none">
-                <a:solidFill>
-                  <a:schemeClr val="dk1"/>
-                </a:solidFill>
-                <a:latin typeface="Abel"/>
-                <a:ea typeface="Abel"/>
-                <a:cs typeface="Abel"/>
-                <a:sym typeface="Abel"/>
-              </a:defRPr>
-            </a:lvl3pPr>
-            <a:lvl4pPr marL="1828800" marR="0" lvl="3" indent="-317500" algn="l" rtl="0">
-              <a:lnSpc>
-                <a:spcPct val="115000"/>
-              </a:lnSpc>
-              <a:spcBef>
-                <a:spcPts val="1600"/>
-              </a:spcBef>
-              <a:spcAft>
-                <a:spcPts val="0"/>
-              </a:spcAft>
-              <a:buClr>
-                <a:schemeClr val="dk1"/>
-              </a:buClr>
-              <a:buSzPts val="1400"/>
-              <a:buFont typeface="Abel"/>
-              <a:buChar char="●"/>
-              <a:defRPr sz="1400" b="0" i="0" u="none" strike="noStrike" cap="none">
-                <a:solidFill>
-                  <a:schemeClr val="dk1"/>
-                </a:solidFill>
-                <a:latin typeface="Abel"/>
-                <a:ea typeface="Abel"/>
-                <a:cs typeface="Abel"/>
-                <a:sym typeface="Abel"/>
-              </a:defRPr>
-            </a:lvl4pPr>
-            <a:lvl5pPr marL="2286000" marR="0" lvl="4" indent="-317500" algn="l" rtl="0">
-              <a:lnSpc>
-                <a:spcPct val="115000"/>
-              </a:lnSpc>
-              <a:spcBef>
-                <a:spcPts val="1600"/>
-              </a:spcBef>
-              <a:spcAft>
-                <a:spcPts val="0"/>
-              </a:spcAft>
-              <a:buClr>
-                <a:schemeClr val="dk1"/>
-              </a:buClr>
-              <a:buSzPts val="1400"/>
-              <a:buFont typeface="Abel"/>
-              <a:buChar char="○"/>
-              <a:defRPr sz="1400" b="0" i="0" u="none" strike="noStrike" cap="none">
-                <a:solidFill>
-                  <a:schemeClr val="dk1"/>
-                </a:solidFill>
-                <a:latin typeface="Abel"/>
-                <a:ea typeface="Abel"/>
-                <a:cs typeface="Abel"/>
-                <a:sym typeface="Abel"/>
-              </a:defRPr>
-            </a:lvl5pPr>
-            <a:lvl6pPr marL="2743200" marR="0" lvl="5" indent="-317500" algn="l" rtl="0">
-              <a:lnSpc>
-                <a:spcPct val="115000"/>
-              </a:lnSpc>
-              <a:spcBef>
-                <a:spcPts val="1600"/>
-              </a:spcBef>
-              <a:spcAft>
-                <a:spcPts val="0"/>
-              </a:spcAft>
-              <a:buClr>
-                <a:schemeClr val="dk1"/>
-              </a:buClr>
-              <a:buSzPts val="1400"/>
-              <a:buFont typeface="Abel"/>
-              <a:buChar char="■"/>
-              <a:defRPr sz="1400" b="0" i="0" u="none" strike="noStrike" cap="none">
-                <a:solidFill>
-                  <a:schemeClr val="dk1"/>
-                </a:solidFill>
-                <a:latin typeface="Abel"/>
-                <a:ea typeface="Abel"/>
-                <a:cs typeface="Abel"/>
-                <a:sym typeface="Abel"/>
-              </a:defRPr>
-            </a:lvl6pPr>
-            <a:lvl7pPr marL="3200400" marR="0" lvl="6" indent="-317500" algn="l" rtl="0">
-              <a:lnSpc>
-                <a:spcPct val="115000"/>
-              </a:lnSpc>
-              <a:spcBef>
-                <a:spcPts val="1600"/>
-              </a:spcBef>
-              <a:spcAft>
-                <a:spcPts val="0"/>
-              </a:spcAft>
-              <a:buClr>
-                <a:schemeClr val="dk1"/>
-              </a:buClr>
-              <a:buSzPts val="1400"/>
-              <a:buFont typeface="Abel"/>
-              <a:buChar char="●"/>
-              <a:defRPr sz="1400" b="0" i="0" u="none" strike="noStrike" cap="none">
-                <a:solidFill>
-                  <a:schemeClr val="dk1"/>
-                </a:solidFill>
-                <a:latin typeface="Abel"/>
-                <a:ea typeface="Abel"/>
-                <a:cs typeface="Abel"/>
-                <a:sym typeface="Abel"/>
-              </a:defRPr>
-            </a:lvl7pPr>
-            <a:lvl8pPr marL="3657600" marR="0" lvl="7" indent="-317500" algn="l" rtl="0">
-              <a:lnSpc>
-                <a:spcPct val="115000"/>
-              </a:lnSpc>
-              <a:spcBef>
-                <a:spcPts val="1600"/>
-              </a:spcBef>
-              <a:spcAft>
-                <a:spcPts val="0"/>
-              </a:spcAft>
-              <a:buClr>
-                <a:schemeClr val="dk1"/>
-              </a:buClr>
-              <a:buSzPts val="1400"/>
-              <a:buFont typeface="Abel"/>
-              <a:buChar char="○"/>
-              <a:defRPr sz="1400" b="0" i="0" u="none" strike="noStrike" cap="none">
-                <a:solidFill>
-                  <a:schemeClr val="dk1"/>
-                </a:solidFill>
-                <a:latin typeface="Abel"/>
-                <a:ea typeface="Abel"/>
-                <a:cs typeface="Abel"/>
-                <a:sym typeface="Abel"/>
-              </a:defRPr>
-            </a:lvl8pPr>
-            <a:lvl9pPr marL="4114800" marR="0" lvl="8" indent="-317500" algn="l" rtl="0">
-              <a:lnSpc>
-                <a:spcPct val="115000"/>
-              </a:lnSpc>
-              <a:spcBef>
-                <a:spcPts val="1600"/>
-              </a:spcBef>
-              <a:spcAft>
-                <a:spcPts val="1600"/>
-              </a:spcAft>
-              <a:buClr>
-                <a:schemeClr val="dk1"/>
-              </a:buClr>
-              <a:buSzPts val="1400"/>
-              <a:buFont typeface="Abel"/>
-              <a:buChar char="■"/>
-              <a:defRPr sz="1400" b="0" i="0" u="none" strike="noStrike" cap="none">
-                <a:solidFill>
-                  <a:schemeClr val="dk1"/>
-                </a:solidFill>
-                <a:latin typeface="Abel"/>
-                <a:ea typeface="Abel"/>
-                <a:cs typeface="Abel"/>
-                <a:sym typeface="Abel"/>
-              </a:defRPr>
-            </a:lvl9pPr>
-          </a:lstStyle>
           <a:p>
             <a:pPr marL="285750" indent="-285750">
               <a:lnSpc>
@@ -21775,45 +21816,17 @@
             </a:pPr>
             <a:r>
               <a:rPr lang="en-US" dirty="0"/>
-              <a:t>The r value is -0.07</a:t>
-            </a:r>
-          </a:p>
-          <a:p>
-            <a:pPr marL="285750" indent="-285750">
-              <a:lnSpc>
-                <a:spcPct val="100000"/>
-              </a:lnSpc>
-              <a:spcAft>
-                <a:spcPts val="1600"/>
-              </a:spcAft>
-            </a:pPr>
-            <a:r>
-              <a:rPr lang="en-US" dirty="0"/>
-              <a:t>There is a very weak negative correlation between cardio-vascular deaths and covid relevant deaths</a:t>
-            </a:r>
-          </a:p>
-          <a:p>
-            <a:pPr marL="285750" indent="-285750">
-              <a:lnSpc>
-                <a:spcPct val="100000"/>
-              </a:lnSpc>
-              <a:spcAft>
-                <a:spcPts val="1600"/>
-              </a:spcAft>
-            </a:pPr>
-            <a:r>
-              <a:rPr lang="en-US" dirty="0"/>
-              <a:t>Interestingly, cardio-vascular diseases are not a very strong cause behind a covid death </a:t>
+              <a:t>Countries who have higher rates of diabetes have slightly more vulnerable to covid-19</a:t>
             </a:r>
           </a:p>
         </p:txBody>
       </p:sp>
       <p:pic>
         <p:nvPicPr>
-          <p:cNvPr id="4" name="Picture 3" descr="Chart, scatter chart&#10;&#10;Description automatically generated">
+          <p:cNvPr id="3" name="Picture 2" descr="Calendar&#10;&#10;Description automatically generated">
             <a:extLst>
               <a:ext uri="{FF2B5EF4-FFF2-40B4-BE49-F238E27FC236}">
-                <a16:creationId xmlns:a16="http://schemas.microsoft.com/office/drawing/2014/main" id="{215B9FDF-0723-41A4-B511-92AD094FA52A}"/>
+                <a16:creationId xmlns:a16="http://schemas.microsoft.com/office/drawing/2014/main" id="{A90E74CA-C083-48A3-A724-06833BAEB304}"/>
               </a:ext>
             </a:extLst>
           </p:cNvPr>
@@ -21830,8 +21843,8 @@
         </p:blipFill>
         <p:spPr>
           <a:xfrm>
-            <a:off x="806827" y="1193972"/>
-            <a:ext cx="5082980" cy="3396877"/>
+            <a:off x="3261257" y="1100750"/>
+            <a:ext cx="5485714" cy="3657143"/>
           </a:xfrm>
           <a:prstGeom prst="rect">
             <a:avLst/>
@@ -21841,7 +21854,7 @@
     </p:spTree>
     <p:extLst>
       <p:ext uri="{BB962C8B-B14F-4D97-AF65-F5344CB8AC3E}">
-        <p14:creationId xmlns:p14="http://schemas.microsoft.com/office/powerpoint/2010/main" val="4214931624"/>
+        <p14:creationId xmlns:p14="http://schemas.microsoft.com/office/powerpoint/2010/main" val="3657174322"/>
       </p:ext>
     </p:extLst>
   </p:cSld>
@@ -21938,7 +21951,7 @@
         </p:nvSpPr>
         <p:spPr>
           <a:xfrm>
-            <a:off x="700888" y="1269222"/>
+            <a:off x="660546" y="1370075"/>
             <a:ext cx="2439000" cy="2870948"/>
           </a:xfrm>
           <a:prstGeom prst="rect">
@@ -22226,6 +22239,20 @@
             <a:r>
               <a:rPr lang="en-US" dirty="0"/>
               <a:t>There is a weak but positive correlation between availability of hospital beds and the total # of covid-deaths</a:t>
+            </a:r>
+          </a:p>
+          <a:p>
+            <a:pPr marL="285750" indent="-285750">
+              <a:lnSpc>
+                <a:spcPct val="100000"/>
+              </a:lnSpc>
+              <a:spcAft>
+                <a:spcPts val="1600"/>
+              </a:spcAft>
+            </a:pPr>
+            <a:r>
+              <a:rPr lang="en-US" dirty="0"/>
+              <a:t>Countries which have lower beds available in hospitals, have a slightly higher death rate</a:t>
             </a:r>
           </a:p>
         </p:txBody>
@@ -25766,7 +25793,13 @@
           <a:p>
             <a:r>
               <a:rPr lang="en-US" sz="2000" dirty="0"/>
-              <a:t>How has covid-19 impacted the world? What countries have the most # of Cases and Deaths?</a:t>
+              <a:t>How has covid-19 impacted the world? What countries have the most # of Cases and # Deaths?</a:t>
+            </a:r>
+          </a:p>
+          <a:p>
+            <a:r>
+              <a:rPr lang="en-US" sz="2000" dirty="0"/>
+              <a:t>Does population density has any impact on the rise of covid-19 cases or deaths?</a:t>
             </a:r>
           </a:p>
           <a:p>
@@ -25778,7 +25811,7 @@
           <a:p>
             <a:r>
               <a:rPr lang="en-US" sz="2000" dirty="0"/>
-              <a:t>Does Diabetes Prevalence &amp; Cardio-vascular diseases have any relationship with the rise of covid-19?</a:t>
+              <a:t>Does Diabetes Prevalence have any relationship with the rise of covid-19 deaths?</a:t>
             </a:r>
           </a:p>
           <a:p>
@@ -28599,7 +28632,7 @@
         </p:nvSpPr>
         <p:spPr>
           <a:xfrm>
-            <a:off x="6503294" y="1648850"/>
+            <a:off x="6657935" y="1722809"/>
             <a:ext cx="2439000" cy="2003032"/>
           </a:xfrm>
           <a:prstGeom prst="rect">
@@ -28862,22 +28895,23 @@
             </a:lvl9pPr>
           </a:lstStyle>
           <a:p>
-            <a:pPr marL="0" indent="0" algn="r">
+            <a:pPr marL="342900" indent="-342900">
               <a:lnSpc>
                 <a:spcPct val="100000"/>
               </a:lnSpc>
               <a:spcAft>
                 <a:spcPts val="1600"/>
               </a:spcAft>
-              <a:buNone/>
+              <a:buFont typeface="+mj-lt"/>
+              <a:buAutoNum type="arabicPeriod"/>
             </a:pPr>
             <a:r>
               <a:rPr lang="en-US" dirty="0"/>
-              <a:t>1. United State: 7,115,046</a:t>
+              <a:t>United State: 7,115,046</a:t>
             </a:r>
           </a:p>
           <a:p>
-            <a:pPr marL="342900" indent="-342900" algn="r">
+            <a:pPr marL="342900" indent="-342900">
               <a:lnSpc>
                 <a:spcPct val="100000"/>
               </a:lnSpc>
@@ -28893,7 +28927,7 @@
             </a:r>
           </a:p>
           <a:p>
-            <a:pPr marL="342900" indent="-342900" algn="r">
+            <a:pPr marL="342900" indent="-342900">
               <a:lnSpc>
                 <a:spcPct val="100000"/>
               </a:lnSpc>
@@ -28909,7 +28943,7 @@
             </a:r>
           </a:p>
           <a:p>
-            <a:pPr marL="342900" indent="-342900" algn="r">
+            <a:pPr marL="342900" indent="-342900">
               <a:lnSpc>
                 <a:spcPct val="100000"/>
               </a:lnSpc>
@@ -28925,7 +28959,7 @@
             </a:r>
           </a:p>
           <a:p>
-            <a:pPr marL="342900" indent="-342900" algn="r">
+            <a:pPr marL="342900" indent="-342900">
               <a:lnSpc>
                 <a:spcPct val="100000"/>
               </a:lnSpc>
